--- a/Soft Skill/Module - 3.pptx
+++ b/Soft Skill/Module - 3.pptx
@@ -246,7 +246,7 @@
           <a:p>
             <a:fld id="{CF1E108C-6BE5-4501-9994-EA4D23F3F670}" type="datetimeFigureOut">
               <a:rPr lang="en-IN" smtClean="0"/>
-              <a:t>19-06-2024</a:t>
+              <a:t>23-06-2024</a:t>
             </a:fld>
             <a:endParaRPr lang="en-IN"/>
           </a:p>
@@ -416,7 +416,7 @@
           <a:p>
             <a:fld id="{CF1E108C-6BE5-4501-9994-EA4D23F3F670}" type="datetimeFigureOut">
               <a:rPr lang="en-IN" smtClean="0"/>
-              <a:t>19-06-2024</a:t>
+              <a:t>23-06-2024</a:t>
             </a:fld>
             <a:endParaRPr lang="en-IN"/>
           </a:p>
@@ -596,7 +596,7 @@
           <a:p>
             <a:fld id="{CF1E108C-6BE5-4501-9994-EA4D23F3F670}" type="datetimeFigureOut">
               <a:rPr lang="en-IN" smtClean="0"/>
-              <a:t>19-06-2024</a:t>
+              <a:t>23-06-2024</a:t>
             </a:fld>
             <a:endParaRPr lang="en-IN"/>
           </a:p>
@@ -766,7 +766,7 @@
           <a:p>
             <a:fld id="{CF1E108C-6BE5-4501-9994-EA4D23F3F670}" type="datetimeFigureOut">
               <a:rPr lang="en-IN" smtClean="0"/>
-              <a:t>19-06-2024</a:t>
+              <a:t>23-06-2024</a:t>
             </a:fld>
             <a:endParaRPr lang="en-IN"/>
           </a:p>
@@ -1012,7 +1012,7 @@
           <a:p>
             <a:fld id="{CF1E108C-6BE5-4501-9994-EA4D23F3F670}" type="datetimeFigureOut">
               <a:rPr lang="en-IN" smtClean="0"/>
-              <a:t>19-06-2024</a:t>
+              <a:t>23-06-2024</a:t>
             </a:fld>
             <a:endParaRPr lang="en-IN"/>
           </a:p>
@@ -1244,7 +1244,7 @@
           <a:p>
             <a:fld id="{CF1E108C-6BE5-4501-9994-EA4D23F3F670}" type="datetimeFigureOut">
               <a:rPr lang="en-IN" smtClean="0"/>
-              <a:t>19-06-2024</a:t>
+              <a:t>23-06-2024</a:t>
             </a:fld>
             <a:endParaRPr lang="en-IN"/>
           </a:p>
@@ -1611,7 +1611,7 @@
           <a:p>
             <a:fld id="{CF1E108C-6BE5-4501-9994-EA4D23F3F670}" type="datetimeFigureOut">
               <a:rPr lang="en-IN" smtClean="0"/>
-              <a:t>19-06-2024</a:t>
+              <a:t>23-06-2024</a:t>
             </a:fld>
             <a:endParaRPr lang="en-IN"/>
           </a:p>
@@ -1729,7 +1729,7 @@
           <a:p>
             <a:fld id="{CF1E108C-6BE5-4501-9994-EA4D23F3F670}" type="datetimeFigureOut">
               <a:rPr lang="en-IN" smtClean="0"/>
-              <a:t>19-06-2024</a:t>
+              <a:t>23-06-2024</a:t>
             </a:fld>
             <a:endParaRPr lang="en-IN"/>
           </a:p>
@@ -1824,7 +1824,7 @@
           <a:p>
             <a:fld id="{CF1E108C-6BE5-4501-9994-EA4D23F3F670}" type="datetimeFigureOut">
               <a:rPr lang="en-IN" smtClean="0"/>
-              <a:t>19-06-2024</a:t>
+              <a:t>23-06-2024</a:t>
             </a:fld>
             <a:endParaRPr lang="en-IN"/>
           </a:p>
@@ -2101,7 +2101,7 @@
           <a:p>
             <a:fld id="{CF1E108C-6BE5-4501-9994-EA4D23F3F670}" type="datetimeFigureOut">
               <a:rPr lang="en-IN" smtClean="0"/>
-              <a:t>19-06-2024</a:t>
+              <a:t>23-06-2024</a:t>
             </a:fld>
             <a:endParaRPr lang="en-IN"/>
           </a:p>
@@ -2354,7 +2354,7 @@
           <a:p>
             <a:fld id="{CF1E108C-6BE5-4501-9994-EA4D23F3F670}" type="datetimeFigureOut">
               <a:rPr lang="en-IN" smtClean="0"/>
-              <a:t>19-06-2024</a:t>
+              <a:t>23-06-2024</a:t>
             </a:fld>
             <a:endParaRPr lang="en-IN"/>
           </a:p>
@@ -2585,7 +2585,7 @@
           <a:p>
             <a:fld id="{CF1E108C-6BE5-4501-9994-EA4D23F3F670}" type="datetimeFigureOut">
               <a:rPr lang="en-IN" smtClean="0"/>
-              <a:t>19-06-2024</a:t>
+              <a:t>23-06-2024</a:t>
             </a:fld>
             <a:endParaRPr lang="en-IN"/>
           </a:p>
@@ -3170,15 +3170,7 @@
                   <a:schemeClr val="bg1"/>
                 </a:solidFill>
               </a:rPr>
-              <a:t> Recently, I’ve done project which is Online comic book store. It’s E-commerce based project. </a:t>
-            </a:r>
-            <a:r>
-              <a:rPr lang="en-US" sz="2400" dirty="0" smtClean="0">
-                <a:solidFill>
-                  <a:schemeClr val="bg1"/>
-                </a:solidFill>
-              </a:rPr>
-              <a:t>It’s developed by HTML, CSS, Bootstrap and JavaScript.</a:t>
+              <a:t> Recently, I’ve done project which is Online comic book store. It’s E-commerce based project. I’ve used HTML, CSS, Bootstrap and JavaScript to developed this project.</a:t>
             </a:r>
           </a:p>
           <a:p>
@@ -3200,7 +3192,7 @@
                   <a:schemeClr val="bg1"/>
                 </a:solidFill>
               </a:rPr>
-              <a:t>It’s just a static design project to practice my skills and improve it.</a:t>
+              <a:t>I’ve done only designing part in this project.</a:t>
             </a:r>
           </a:p>
         </p:txBody>
@@ -3339,7 +3331,7 @@
                   <a:prstClr val="white"/>
                 </a:solidFill>
               </a:rPr>
-              <a:t>With the help of the site users can do register or login, search and view the products, purchase the </a:t>
+              <a:t>With the help of </a:t>
             </a:r>
             <a:r>
               <a:rPr lang="en-US" sz="2400" dirty="0" smtClean="0">
@@ -3347,7 +3339,23 @@
                   <a:prstClr val="white"/>
                 </a:solidFill>
               </a:rPr>
-              <a:t>products, </a:t>
+              <a:t>this website </a:t>
+            </a:r>
+            <a:r>
+              <a:rPr lang="en-US" sz="2400" dirty="0">
+                <a:solidFill>
+                  <a:prstClr val="white"/>
+                </a:solidFill>
+              </a:rPr>
+              <a:t>users can do register or login, search and view the products, purchase the </a:t>
+            </a:r>
+            <a:r>
+              <a:rPr lang="en-US" sz="2400" dirty="0" smtClean="0">
+                <a:solidFill>
+                  <a:prstClr val="white"/>
+                </a:solidFill>
+              </a:rPr>
+              <a:t>products and </a:t>
             </a:r>
             <a:r>
               <a:rPr lang="en-US" sz="2400" dirty="0">
@@ -3507,13 +3515,6 @@
               </a:rPr>
               <a:t>solving skills.</a:t>
             </a:r>
-            <a:endParaRPr lang="en-IN" sz="2800" b="1" dirty="0">
-              <a:solidFill>
-                <a:schemeClr val="bg1">
-                  <a:lumMod val="75000"/>
-                </a:schemeClr>
-              </a:solidFill>
-            </a:endParaRPr>
           </a:p>
         </p:txBody>
       </p:sp>
@@ -3530,7 +3531,7 @@
         <p:spPr/>
         <p:txBody>
           <a:bodyPr>
-            <a:normAutofit/>
+            <a:normAutofit lnSpcReduction="10000"/>
           </a:bodyPr>
           <a:lstStyle/>
           <a:p>
@@ -3544,14 +3545,136 @@
                   <a:schemeClr val="bg1"/>
                 </a:solidFill>
               </a:rPr>
-              <a:t> I’ve done this project just after I finished learning about Bootstrap. So, It’s little bit hard for me to build whole project with Bootstrap.</a:t>
-            </a:r>
-          </a:p>
-          <a:p>
-            <a:pPr marL="0" indent="0">
-              <a:buNone/>
+              <a:t> I’ve done this project just after I finished learning about Bootstrap. So, It was challenge for me to build whole project with Bootstrap.</a:t>
+            </a:r>
+            <a:endParaRPr lang="en-IN" sz="2400" dirty="0">
+              <a:solidFill>
+                <a:schemeClr val="bg1"/>
+              </a:solidFill>
+            </a:endParaRPr>
+          </a:p>
+          <a:p>
+            <a:pPr>
+              <a:buFont typeface="Wingdings" panose="05000000000000000000" pitchFamily="2" charset="2"/>
+              <a:buChar char="Ø"/>
             </a:pPr>
-            <a:endParaRPr lang="en-IN" sz="2400" dirty="0">
+            <a:r>
+              <a:rPr lang="en-US" sz="2400" dirty="0">
+                <a:solidFill>
+                  <a:schemeClr val="bg1"/>
+                </a:solidFill>
+              </a:rPr>
+              <a:t> </a:t>
+            </a:r>
+            <a:r>
+              <a:rPr lang="en-US" sz="2400" dirty="0" smtClean="0">
+                <a:solidFill>
+                  <a:schemeClr val="bg1"/>
+                </a:solidFill>
+              </a:rPr>
+              <a:t>I’d not more knowledge about JavaScript while I was building this project. So at that time built some functionalities with JavaScript was tough for me.</a:t>
+            </a:r>
+          </a:p>
+          <a:p>
+            <a:pPr>
+              <a:buFont typeface="Wingdings" panose="05000000000000000000" pitchFamily="2" charset="2"/>
+              <a:buChar char="Ø"/>
+            </a:pPr>
+            <a:r>
+              <a:rPr lang="en-US" sz="2400" dirty="0" smtClean="0">
+                <a:solidFill>
+                  <a:schemeClr val="bg1"/>
+                </a:solidFill>
+              </a:rPr>
+              <a:t> It was took 2 to 3 days to completed whole login and register page with the functionalities.</a:t>
+            </a:r>
+          </a:p>
+          <a:p>
+            <a:pPr>
+              <a:buFont typeface="Wingdings" panose="05000000000000000000" pitchFamily="2" charset="2"/>
+              <a:buChar char="Ø"/>
+            </a:pPr>
+            <a:r>
+              <a:rPr lang="en-US" sz="2400" dirty="0">
+                <a:solidFill>
+                  <a:schemeClr val="bg1"/>
+                </a:solidFill>
+              </a:rPr>
+              <a:t> </a:t>
+            </a:r>
+            <a:r>
+              <a:rPr lang="en-US" sz="2400" dirty="0" smtClean="0">
+                <a:solidFill>
+                  <a:schemeClr val="bg1"/>
+                </a:solidFill>
+              </a:rPr>
+              <a:t>Whenever I found an errors or any complexity in the functionality I was try to understand and solved it.</a:t>
+            </a:r>
+          </a:p>
+          <a:p>
+            <a:pPr>
+              <a:buFont typeface="Wingdings" panose="05000000000000000000" pitchFamily="2" charset="2"/>
+              <a:buChar char="Ø"/>
+            </a:pPr>
+            <a:r>
+              <a:rPr lang="en-US" sz="2400" dirty="0">
+                <a:solidFill>
+                  <a:schemeClr val="bg1"/>
+                </a:solidFill>
+              </a:rPr>
+              <a:t> </a:t>
+            </a:r>
+            <a:r>
+              <a:rPr lang="en-US" sz="2400" dirty="0" smtClean="0">
+                <a:solidFill>
+                  <a:schemeClr val="bg1"/>
+                </a:solidFill>
+              </a:rPr>
+              <a:t>However, if I found any errors, I researched and solved them</a:t>
+            </a:r>
+            <a:r>
+              <a:rPr lang="en-US" sz="2400" dirty="0" smtClean="0">
+                <a:solidFill>
+                  <a:schemeClr val="bg1"/>
+                </a:solidFill>
+              </a:rPr>
+              <a:t>.</a:t>
+            </a:r>
+          </a:p>
+          <a:p>
+            <a:pPr>
+              <a:buFont typeface="Wingdings" panose="05000000000000000000" pitchFamily="2" charset="2"/>
+              <a:buChar char="Ø"/>
+            </a:pPr>
+            <a:endParaRPr lang="en-US" sz="2400" dirty="0">
+              <a:solidFill>
+                <a:schemeClr val="bg1"/>
+              </a:solidFill>
+            </a:endParaRPr>
+          </a:p>
+          <a:p>
+            <a:pPr>
+              <a:buFont typeface="Wingdings" panose="05000000000000000000" pitchFamily="2" charset="2"/>
+              <a:buChar char="Ø"/>
+            </a:pPr>
+            <a:r>
+              <a:rPr lang="en-US" sz="2400" dirty="0" smtClean="0">
+                <a:solidFill>
+                  <a:schemeClr val="bg1"/>
+                </a:solidFill>
+              </a:rPr>
+              <a:t>Video Link : </a:t>
+            </a:r>
+            <a:r>
+              <a:rPr lang="en-US" sz="2400" dirty="0" smtClean="0">
+                <a:solidFill>
+                  <a:schemeClr val="bg1"/>
+                </a:solidFill>
+                <a:hlinkClick r:id="rId2"/>
+              </a:rPr>
+              <a:t>https://youtu.be/JDAv22PmYBI</a:t>
+            </a:r>
+            <a:endParaRPr lang="en-US" sz="2400" dirty="0" smtClean="0">
               <a:solidFill>
                 <a:schemeClr val="bg1"/>
               </a:solidFill>
